--- a/Online Razmjena Sličica.pptx
+++ b/Online Razmjena Sličica.pptx
@@ -5,20 +5,21 @@
     <p:sldMasterId id="2147483648" r:id="rId4"/>
   </p:sldMasterIdLst>
   <p:notesMasterIdLst>
-    <p:notesMasterId r:id="rId13"/>
+    <p:notesMasterId r:id="rId14"/>
   </p:notesMasterIdLst>
   <p:handoutMasterIdLst>
-    <p:handoutMasterId r:id="rId14"/>
+    <p:handoutMasterId r:id="rId15"/>
   </p:handoutMasterIdLst>
   <p:sldIdLst>
     <p:sldId id="256" r:id="rId5"/>
-    <p:sldId id="270" r:id="rId6"/>
-    <p:sldId id="271" r:id="rId7"/>
+    <p:sldId id="271" r:id="rId6"/>
+    <p:sldId id="270" r:id="rId7"/>
     <p:sldId id="272" r:id="rId8"/>
     <p:sldId id="273" r:id="rId9"/>
     <p:sldId id="274" r:id="rId10"/>
     <p:sldId id="275" r:id="rId11"/>
     <p:sldId id="260" r:id="rId12"/>
+    <p:sldId id="276" r:id="rId13"/>
   </p:sldIdLst>
   <p:sldSz cx="12192000" cy="6858000"/>
   <p:notesSz cx="6858000" cy="9144000"/>
@@ -1241,7 +1242,7 @@
           <a:p>
             <a:fld id="{F6E59275-AFE1-4999-B78A-D0D76B9F2B0B}" type="datetimeFigureOut">
               <a:rPr lang="en-US" smtClean="0"/>
-              <a:t>2/16/2021</a:t>
+              <a:t>2/22/2021</a:t>
             </a:fld>
             <a:endParaRPr lang="en-US" dirty="0"/>
           </a:p>
@@ -1418,7 +1419,7 @@
           <a:p>
             <a:fld id="{B3EADD7A-FE61-48EE-BE0E-8546E5401374}" type="datetimeFigureOut">
               <a:rPr lang="en-US" smtClean="0"/>
-              <a:t>2/16/2021</a:t>
+              <a:t>2/22/2021</a:t>
             </a:fld>
             <a:endParaRPr lang="en-US" dirty="0"/>
           </a:p>
@@ -2036,7 +2037,7 @@
           <a:p>
             <a:fld id="{4AAD347D-5ACD-4C99-B74B-A9C85AD731AF}" type="datetimeFigureOut">
               <a:rPr lang="en-US" dirty="0"/>
-              <a:t>2/16/2021</a:t>
+              <a:t>2/22/2021</a:t>
             </a:fld>
             <a:endParaRPr lang="en-US" dirty="0"/>
           </a:p>
@@ -2306,7 +2307,7 @@
           <a:p>
             <a:fld id="{4509A250-FF31-4206-8172-F9D3106AACB1}" type="datetimeFigureOut">
               <a:rPr lang="en-US" dirty="0"/>
-              <a:t>2/16/2021</a:t>
+              <a:t>2/22/2021</a:t>
             </a:fld>
             <a:endParaRPr lang="en-US" dirty="0"/>
           </a:p>
@@ -2495,7 +2496,7 @@
           <a:p>
             <a:fld id="{4509A250-FF31-4206-8172-F9D3106AACB1}" type="datetimeFigureOut">
               <a:rPr lang="en-US" dirty="0"/>
-              <a:t>2/16/2021</a:t>
+              <a:t>2/22/2021</a:t>
             </a:fld>
             <a:endParaRPr lang="en-US" dirty="0"/>
           </a:p>
@@ -2758,7 +2759,7 @@
           <a:p>
             <a:fld id="{4509A250-FF31-4206-8172-F9D3106AACB1}" type="datetimeFigureOut">
               <a:rPr lang="en-US" dirty="0"/>
-              <a:t>2/16/2021</a:t>
+              <a:t>2/22/2021</a:t>
             </a:fld>
             <a:endParaRPr lang="en-US" dirty="0"/>
           </a:p>
@@ -3085,7 +3086,7 @@
           <a:p>
             <a:fld id="{4509A250-FF31-4206-8172-F9D3106AACB1}" type="datetimeFigureOut">
               <a:rPr lang="en-US" dirty="0"/>
-              <a:t>2/16/2021</a:t>
+              <a:t>2/22/2021</a:t>
             </a:fld>
             <a:endParaRPr lang="en-US" dirty="0"/>
           </a:p>
@@ -3690,7 +3691,7 @@
           <a:p>
             <a:fld id="{4509A250-FF31-4206-8172-F9D3106AACB1}" type="datetimeFigureOut">
               <a:rPr lang="en-US" dirty="0"/>
-              <a:t>2/16/2021</a:t>
+              <a:t>2/22/2021</a:t>
             </a:fld>
             <a:endParaRPr lang="en-US" dirty="0"/>
           </a:p>
@@ -4532,7 +4533,7 @@
           <a:p>
             <a:fld id="{4509A250-FF31-4206-8172-F9D3106AACB1}" type="datetimeFigureOut">
               <a:rPr lang="en-US" dirty="0"/>
-              <a:t>2/16/2021</a:t>
+              <a:t>2/22/2021</a:t>
             </a:fld>
             <a:endParaRPr lang="en-US" dirty="0"/>
           </a:p>
@@ -4697,7 +4698,7 @@
           <a:p>
             <a:fld id="{4509A250-FF31-4206-8172-F9D3106AACB1}" type="datetimeFigureOut">
               <a:rPr lang="en-US" dirty="0"/>
-              <a:t>2/16/2021</a:t>
+              <a:t>2/22/2021</a:t>
             </a:fld>
             <a:endParaRPr lang="en-US" dirty="0"/>
           </a:p>
@@ -4872,7 +4873,7 @@
           <a:p>
             <a:fld id="{4509A250-FF31-4206-8172-F9D3106AACB1}" type="datetimeFigureOut">
               <a:rPr lang="en-US" dirty="0"/>
-              <a:t>2/16/2021</a:t>
+              <a:t>2/22/2021</a:t>
             </a:fld>
             <a:endParaRPr lang="en-US" dirty="0"/>
           </a:p>
@@ -5037,7 +5038,7 @@
           <a:p>
             <a:fld id="{4509A250-FF31-4206-8172-F9D3106AACB1}" type="datetimeFigureOut">
               <a:rPr lang="en-US" dirty="0"/>
-              <a:t>2/16/2021</a:t>
+              <a:t>2/22/2021</a:t>
             </a:fld>
             <a:endParaRPr lang="en-US" dirty="0"/>
           </a:p>
@@ -5276,7 +5277,7 @@
           <a:p>
             <a:fld id="{4509A250-FF31-4206-8172-F9D3106AACB1}" type="datetimeFigureOut">
               <a:rPr lang="en-US" dirty="0"/>
-              <a:t>2/16/2021</a:t>
+              <a:t>2/22/2021</a:t>
             </a:fld>
             <a:endParaRPr lang="en-US" dirty="0"/>
           </a:p>
@@ -5563,7 +5564,7 @@
           <a:p>
             <a:fld id="{4509A250-FF31-4206-8172-F9D3106AACB1}" type="datetimeFigureOut">
               <a:rPr lang="en-US" dirty="0"/>
-              <a:t>2/16/2021</a:t>
+              <a:t>2/22/2021</a:t>
             </a:fld>
             <a:endParaRPr lang="en-US" dirty="0"/>
           </a:p>
@@ -5996,7 +5997,7 @@
           <a:p>
             <a:fld id="{4509A250-FF31-4206-8172-F9D3106AACB1}" type="datetimeFigureOut">
               <a:rPr lang="en-US" dirty="0"/>
-              <a:t>2/16/2021</a:t>
+              <a:t>2/22/2021</a:t>
             </a:fld>
             <a:endParaRPr lang="en-US" dirty="0"/>
           </a:p>
@@ -6109,7 +6110,7 @@
           <a:p>
             <a:fld id="{4509A250-FF31-4206-8172-F9D3106AACB1}" type="datetimeFigureOut">
               <a:rPr lang="en-US" dirty="0"/>
-              <a:t>2/16/2021</a:t>
+              <a:t>2/22/2021</a:t>
             </a:fld>
             <a:endParaRPr lang="en-US" dirty="0"/>
           </a:p>
@@ -6199,7 +6200,7 @@
           <a:p>
             <a:fld id="{4509A250-FF31-4206-8172-F9D3106AACB1}" type="datetimeFigureOut">
               <a:rPr lang="en-US" dirty="0"/>
-              <a:t>2/16/2021</a:t>
+              <a:t>2/22/2021</a:t>
             </a:fld>
             <a:endParaRPr lang="en-US" dirty="0"/>
           </a:p>
@@ -6473,7 +6474,7 @@
           <a:p>
             <a:fld id="{4509A250-FF31-4206-8172-F9D3106AACB1}" type="datetimeFigureOut">
               <a:rPr lang="en-US" dirty="0"/>
-              <a:t>2/16/2021</a:t>
+              <a:t>2/22/2021</a:t>
             </a:fld>
             <a:endParaRPr lang="en-US" dirty="0"/>
           </a:p>
@@ -6743,7 +6744,7 @@
           <a:p>
             <a:fld id="{4509A250-FF31-4206-8172-F9D3106AACB1}" type="datetimeFigureOut">
               <a:rPr lang="en-US" dirty="0"/>
-              <a:t>2/16/2021</a:t>
+              <a:t>2/22/2021</a:t>
             </a:fld>
             <a:endParaRPr lang="en-US" dirty="0"/>
           </a:p>
@@ -7167,7 +7168,7 @@
           <a:p>
             <a:fld id="{4509A250-FF31-4206-8172-F9D3106AACB1}" type="datetimeFigureOut">
               <a:rPr lang="en-US" dirty="0"/>
-              <a:t>2/16/2021</a:t>
+              <a:t>2/22/2021</a:t>
             </a:fld>
             <a:endParaRPr lang="en-US" dirty="0"/>
           </a:p>
@@ -7922,7 +7923,7 @@
           <p:cNvPr id="2" name="Title 1">
             <a:extLst>
               <a:ext uri="{FF2B5EF4-FFF2-40B4-BE49-F238E27FC236}">
-                <a16:creationId xmlns:a16="http://schemas.microsoft.com/office/drawing/2014/main" id="{B01E1EAF-4464-47E8-898E-14F2A39C37ED}"/>
+                <a16:creationId xmlns:a16="http://schemas.microsoft.com/office/drawing/2014/main" id="{68D9D150-4D2B-4CB9-8848-A221FBD9A5A9}"/>
               </a:ext>
             </a:extLst>
           </p:cNvPr>
@@ -7941,7 +7942,7 @@
             <a:pPr algn="ctr"/>
             <a:r>
               <a:rPr lang="hr-HR" dirty="0"/>
-              <a:t>Korištene Tehnologije</a:t>
+              <a:t>Opis</a:t>
             </a:r>
           </a:p>
         </p:txBody>
@@ -7951,7 +7952,7 @@
           <p:cNvPr id="3" name="Content Placeholder 2">
             <a:extLst>
               <a:ext uri="{FF2B5EF4-FFF2-40B4-BE49-F238E27FC236}">
-                <a16:creationId xmlns:a16="http://schemas.microsoft.com/office/drawing/2014/main" id="{48704F57-3D9D-4C3A-895D-B386EFB400C3}"/>
+                <a16:creationId xmlns:a16="http://schemas.microsoft.com/office/drawing/2014/main" id="{303B88BA-015A-4977-A3B9-AA464DCB28EC}"/>
               </a:ext>
             </a:extLst>
           </p:cNvPr>
@@ -7969,103 +7970,19 @@
           <a:p>
             <a:r>
               <a:rPr lang="hr-HR" dirty="0"/>
-              <a:t>Framework: </a:t>
-            </a:r>
-            <a:r>
-              <a:rPr lang="hr-HR" dirty="0" err="1"/>
-              <a:t>ASP.Net</a:t>
-            </a:r>
+              <a:t>Sustav pruža rješenje za razmjenu sličica. </a:t>
+            </a:r>
+          </a:p>
+          <a:p>
             <a:r>
               <a:rPr lang="hr-HR" dirty="0"/>
-              <a:t> 5</a:t>
-            </a:r>
-          </a:p>
-          <a:p>
-            <a:r>
-              <a:rPr lang="hr-HR" dirty="0" err="1"/>
-              <a:t>Backend</a:t>
-            </a:r>
+              <a:t>Olakšava povezivanje ljudi koji žele razmijenit svoje sličice.</a:t>
+            </a:r>
+          </a:p>
+          <a:p>
             <a:r>
               <a:rPr lang="hr-HR" dirty="0"/>
-              <a:t>: C#</a:t>
-            </a:r>
-          </a:p>
-          <a:p>
-            <a:r>
-              <a:rPr lang="hr-HR" dirty="0" err="1"/>
-              <a:t>Frontend</a:t>
-            </a:r>
-            <a:r>
-              <a:rPr lang="hr-HR" dirty="0"/>
-              <a:t>: Html, CSS , </a:t>
-            </a:r>
-            <a:r>
-              <a:rPr lang="hr-HR" dirty="0" err="1"/>
-              <a:t>Javascript</a:t>
-            </a:r>
-            <a:r>
-              <a:rPr lang="hr-HR" dirty="0"/>
-              <a:t>, </a:t>
-            </a:r>
-            <a:r>
-              <a:rPr lang="hr-HR" dirty="0" err="1"/>
-              <a:t>Jquery</a:t>
-            </a:r>
-            <a:endParaRPr lang="hr-HR" dirty="0"/>
-          </a:p>
-          <a:p>
-            <a:r>
-              <a:rPr lang="hr-HR" dirty="0"/>
-              <a:t>Dodatno: </a:t>
-            </a:r>
-            <a:r>
-              <a:rPr lang="hr-HR" dirty="0" err="1"/>
-              <a:t>Bootstrap</a:t>
-            </a:r>
-            <a:r>
-              <a:rPr lang="hr-HR" dirty="0"/>
-              <a:t>, Select2, </a:t>
-            </a:r>
-            <a:r>
-              <a:rPr lang="hr-HR" dirty="0" err="1"/>
-              <a:t>RazorViews</a:t>
-            </a:r>
-            <a:r>
-              <a:rPr lang="hr-HR" dirty="0"/>
-              <a:t>, </a:t>
-            </a:r>
-            <a:r>
-              <a:rPr lang="hr-HR" dirty="0" err="1"/>
-              <a:t>Identity</a:t>
-            </a:r>
-            <a:r>
-              <a:rPr lang="hr-HR" dirty="0"/>
-              <a:t>(od .Net)</a:t>
-            </a:r>
-          </a:p>
-          <a:p>
-            <a:r>
-              <a:rPr lang="hr-HR" dirty="0" err="1"/>
-              <a:t>Database</a:t>
-            </a:r>
-            <a:r>
-              <a:rPr lang="hr-HR" dirty="0"/>
-              <a:t>: </a:t>
-            </a:r>
-            <a:r>
-              <a:rPr lang="hr-HR" dirty="0" err="1"/>
-              <a:t>Sql</a:t>
-            </a:r>
-            <a:endParaRPr lang="hr-HR" dirty="0"/>
-          </a:p>
-          <a:p>
-            <a:r>
-              <a:rPr lang="hr-HR" dirty="0" err="1"/>
-              <a:t>Git</a:t>
-            </a:r>
-            <a:r>
-              <a:rPr lang="hr-HR" dirty="0"/>
-              <a:t> repozitorij https://github.com/anton156/Online_razmjena</a:t>
+              <a:t>Sustav omogućuje korisnicima da daju svoje ponude i šalju poruke između sebe.</a:t>
             </a:r>
           </a:p>
         </p:txBody>
@@ -8073,7 +7990,7 @@
     </p:spTree>
     <p:extLst>
       <p:ext uri="{BB962C8B-B14F-4D97-AF65-F5344CB8AC3E}">
-        <p14:creationId xmlns:p14="http://schemas.microsoft.com/office/powerpoint/2010/main" val="593919623"/>
+        <p14:creationId xmlns:p14="http://schemas.microsoft.com/office/powerpoint/2010/main" val="394065112"/>
       </p:ext>
     </p:extLst>
   </p:cSld>
@@ -8105,7 +8022,7 @@
           <p:cNvPr id="2" name="Title 1">
             <a:extLst>
               <a:ext uri="{FF2B5EF4-FFF2-40B4-BE49-F238E27FC236}">
-                <a16:creationId xmlns:a16="http://schemas.microsoft.com/office/drawing/2014/main" id="{68D9D150-4D2B-4CB9-8848-A221FBD9A5A9}"/>
+                <a16:creationId xmlns:a16="http://schemas.microsoft.com/office/drawing/2014/main" id="{B01E1EAF-4464-47E8-898E-14F2A39C37ED}"/>
               </a:ext>
             </a:extLst>
           </p:cNvPr>
@@ -8124,7 +8041,7 @@
             <a:pPr algn="ctr"/>
             <a:r>
               <a:rPr lang="hr-HR" dirty="0"/>
-              <a:t>Opis</a:t>
+              <a:t>Korištene Tehnologije</a:t>
             </a:r>
           </a:p>
         </p:txBody>
@@ -8134,7 +8051,7 @@
           <p:cNvPr id="3" name="Content Placeholder 2">
             <a:extLst>
               <a:ext uri="{FF2B5EF4-FFF2-40B4-BE49-F238E27FC236}">
-                <a16:creationId xmlns:a16="http://schemas.microsoft.com/office/drawing/2014/main" id="{303B88BA-015A-4977-A3B9-AA464DCB28EC}"/>
+                <a16:creationId xmlns:a16="http://schemas.microsoft.com/office/drawing/2014/main" id="{48704F57-3D9D-4C3A-895D-B386EFB400C3}"/>
               </a:ext>
             </a:extLst>
           </p:cNvPr>
@@ -8152,19 +8069,103 @@
           <a:p>
             <a:r>
               <a:rPr lang="hr-HR" dirty="0"/>
-              <a:t>Sustav pruža rješenje za razmjenu sličica. </a:t>
-            </a:r>
-          </a:p>
-          <a:p>
+              <a:t>Framework: </a:t>
+            </a:r>
+            <a:r>
+              <a:rPr lang="hr-HR" dirty="0" err="1"/>
+              <a:t>ASP.Net</a:t>
+            </a:r>
             <a:r>
               <a:rPr lang="hr-HR" dirty="0"/>
-              <a:t>Olakšava povezivanje ljudi koji žele razmijenit svoje sličice.</a:t>
-            </a:r>
-          </a:p>
-          <a:p>
+              <a:t> 5</a:t>
+            </a:r>
+          </a:p>
+          <a:p>
+            <a:r>
+              <a:rPr lang="hr-HR" dirty="0" err="1"/>
+              <a:t>Backend</a:t>
+            </a:r>
             <a:r>
               <a:rPr lang="hr-HR" dirty="0"/>
-              <a:t>Sustav omogućuje korisnicima da daju svoje ponude i šalju poruke između sebe.</a:t>
+              <a:t>: C#</a:t>
+            </a:r>
+          </a:p>
+          <a:p>
+            <a:r>
+              <a:rPr lang="hr-HR" dirty="0" err="1"/>
+              <a:t>Frontend</a:t>
+            </a:r>
+            <a:r>
+              <a:rPr lang="hr-HR" dirty="0"/>
+              <a:t>: Html, CSS , </a:t>
+            </a:r>
+            <a:r>
+              <a:rPr lang="hr-HR" dirty="0" err="1"/>
+              <a:t>Javascript</a:t>
+            </a:r>
+            <a:r>
+              <a:rPr lang="hr-HR" dirty="0"/>
+              <a:t>, </a:t>
+            </a:r>
+            <a:r>
+              <a:rPr lang="hr-HR" dirty="0" err="1"/>
+              <a:t>Jquery</a:t>
+            </a:r>
+            <a:endParaRPr lang="hr-HR" dirty="0"/>
+          </a:p>
+          <a:p>
+            <a:r>
+              <a:rPr lang="hr-HR" dirty="0"/>
+              <a:t>Dodatno: </a:t>
+            </a:r>
+            <a:r>
+              <a:rPr lang="hr-HR" dirty="0" err="1"/>
+              <a:t>Bootstrap</a:t>
+            </a:r>
+            <a:r>
+              <a:rPr lang="hr-HR" dirty="0"/>
+              <a:t>, Select2, </a:t>
+            </a:r>
+            <a:r>
+              <a:rPr lang="hr-HR" dirty="0" err="1"/>
+              <a:t>RazorViews</a:t>
+            </a:r>
+            <a:r>
+              <a:rPr lang="hr-HR" dirty="0"/>
+              <a:t>, </a:t>
+            </a:r>
+            <a:r>
+              <a:rPr lang="hr-HR" dirty="0" err="1"/>
+              <a:t>Identity</a:t>
+            </a:r>
+            <a:r>
+              <a:rPr lang="hr-HR" dirty="0"/>
+              <a:t>(od .Net)</a:t>
+            </a:r>
+          </a:p>
+          <a:p>
+            <a:r>
+              <a:rPr lang="hr-HR" dirty="0" err="1"/>
+              <a:t>Database</a:t>
+            </a:r>
+            <a:r>
+              <a:rPr lang="hr-HR" dirty="0"/>
+              <a:t>: </a:t>
+            </a:r>
+            <a:r>
+              <a:rPr lang="hr-HR" dirty="0" err="1"/>
+              <a:t>LiteSql</a:t>
+            </a:r>
+            <a:endParaRPr lang="hr-HR" dirty="0"/>
+          </a:p>
+          <a:p>
+            <a:r>
+              <a:rPr lang="hr-HR" dirty="0" err="1"/>
+              <a:t>Git</a:t>
+            </a:r>
+            <a:r>
+              <a:rPr lang="hr-HR" dirty="0"/>
+              <a:t> repozitorij https://github.com/anton156/Online_razmjena</a:t>
             </a:r>
           </a:p>
         </p:txBody>
@@ -8172,7 +8173,7 @@
     </p:spTree>
     <p:extLst>
       <p:ext uri="{BB962C8B-B14F-4D97-AF65-F5344CB8AC3E}">
-        <p14:creationId xmlns:p14="http://schemas.microsoft.com/office/powerpoint/2010/main" val="394065112"/>
+        <p14:creationId xmlns:p14="http://schemas.microsoft.com/office/powerpoint/2010/main" val="593919623"/>
       </p:ext>
     </p:extLst>
   </p:cSld>
@@ -8618,7 +8619,7 @@
             </a:r>
             <a:r>
               <a:rPr lang="hr-HR" dirty="0"/>
-              <a:t>-a piše koliko ima ne pročitanih poruka. </a:t>
+              <a:t>-a piše koliko ima nepročitanih poruka. </a:t>
             </a:r>
           </a:p>
         </p:txBody>
@@ -8718,6 +8719,105 @@
     <p:extLst>
       <p:ext uri="{BB962C8B-B14F-4D97-AF65-F5344CB8AC3E}">
         <p14:creationId xmlns:p14="http://schemas.microsoft.com/office/powerpoint/2010/main" val="70285356"/>
+      </p:ext>
+    </p:extLst>
+  </p:cSld>
+  <p:clrMapOvr>
+    <a:masterClrMapping/>
+  </p:clrMapOvr>
+</p:sld>
+</file>
+
+<file path=ppt/slides/slide9.xml><?xml version="1.0" encoding="utf-8"?>
+<p:sld xmlns:a="http://schemas.openxmlformats.org/drawingml/2006/main" xmlns:r="http://schemas.openxmlformats.org/officeDocument/2006/relationships" xmlns:p="http://schemas.openxmlformats.org/presentationml/2006/main">
+  <p:cSld>
+    <p:spTree>
+      <p:nvGrpSpPr>
+        <p:cNvPr id="1" name=""/>
+        <p:cNvGrpSpPr/>
+        <p:nvPr/>
+      </p:nvGrpSpPr>
+      <p:grpSpPr>
+        <a:xfrm>
+          <a:off x="0" y="0"/>
+          <a:ext cx="0" cy="0"/>
+          <a:chOff x="0" y="0"/>
+          <a:chExt cx="0" cy="0"/>
+        </a:xfrm>
+      </p:grpSpPr>
+      <p:sp>
+        <p:nvSpPr>
+          <p:cNvPr id="2" name="Title 1">
+            <a:extLst>
+              <a:ext uri="{FF2B5EF4-FFF2-40B4-BE49-F238E27FC236}">
+                <a16:creationId xmlns:a16="http://schemas.microsoft.com/office/drawing/2014/main" id="{97FE2675-7049-49D5-A995-7A02528F9BFC}"/>
+              </a:ext>
+            </a:extLst>
+          </p:cNvPr>
+          <p:cNvSpPr>
+            <a:spLocks noGrp="1"/>
+          </p:cNvSpPr>
+          <p:nvPr>
+            <p:ph type="title"/>
+          </p:nvPr>
+        </p:nvSpPr>
+        <p:spPr/>
+        <p:txBody>
+          <a:bodyPr/>
+          <a:lstStyle/>
+          <a:p>
+            <a:pPr algn="ctr"/>
+            <a:r>
+              <a:rPr lang="hr-HR" dirty="0"/>
+              <a:t>Budućnost(moguće izmjene)</a:t>
+            </a:r>
+          </a:p>
+        </p:txBody>
+      </p:sp>
+      <p:sp>
+        <p:nvSpPr>
+          <p:cNvPr id="3" name="Content Placeholder 2">
+            <a:extLst>
+              <a:ext uri="{FF2B5EF4-FFF2-40B4-BE49-F238E27FC236}">
+                <a16:creationId xmlns:a16="http://schemas.microsoft.com/office/drawing/2014/main" id="{8AE6E3FE-617C-49EC-BA5B-7EF683D54375}"/>
+              </a:ext>
+            </a:extLst>
+          </p:cNvPr>
+          <p:cNvSpPr>
+            <a:spLocks noGrp="1"/>
+          </p:cNvSpPr>
+          <p:nvPr>
+            <p:ph idx="1"/>
+          </p:nvPr>
+        </p:nvSpPr>
+        <p:spPr/>
+        <p:txBody>
+          <a:bodyPr/>
+          <a:lstStyle/>
+          <a:p>
+            <a:r>
+              <a:rPr lang="hr-HR" dirty="0"/>
+              <a:t>Unapređivanje GUI-a</a:t>
+            </a:r>
+          </a:p>
+          <a:p>
+            <a:r>
+              <a:rPr lang="hr-HR" dirty="0"/>
+              <a:t>Uvođenje premium povlasti za korisnike koji žele beneficije poput vidljivosti oglasa, verificiran od strane stranice kao pouzdan.</a:t>
+            </a:r>
+          </a:p>
+          <a:p>
+            <a:r>
+              <a:rPr lang="hr-HR" dirty="0"/>
+              <a:t>Sigurnost podataka, zaštita od nepoznatih izvora.</a:t>
+            </a:r>
+          </a:p>
+        </p:txBody>
+      </p:sp>
+    </p:spTree>
+    <p:extLst>
+      <p:ext uri="{BB962C8B-B14F-4D97-AF65-F5344CB8AC3E}">
+        <p14:creationId xmlns:p14="http://schemas.microsoft.com/office/powerpoint/2010/main" val="2881439026"/>
       </p:ext>
     </p:extLst>
   </p:cSld>
